--- a/documentation/Arista ATD.pptx
+++ b/documentation/Arista ATD.pptx
@@ -5,10 +5,10 @@
     <p:sldMasterId id="2147483648" r:id="rId1"/>
   </p:sldMasterIdLst>
   <p:notesMasterIdLst>
-    <p:notesMasterId r:id="rId9"/>
+    <p:notesMasterId r:id="rId10"/>
   </p:notesMasterIdLst>
   <p:handoutMasterIdLst>
-    <p:handoutMasterId r:id="rId10"/>
+    <p:handoutMasterId r:id="rId11"/>
   </p:handoutMasterIdLst>
   <p:sldIdLst>
     <p:sldId id="306" r:id="rId2"/>
@@ -16,8 +16,9 @@
     <p:sldId id="560" r:id="rId4"/>
     <p:sldId id="554" r:id="rId5"/>
     <p:sldId id="558" r:id="rId6"/>
-    <p:sldId id="555" r:id="rId7"/>
+    <p:sldId id="561" r:id="rId7"/>
     <p:sldId id="551" r:id="rId8"/>
+    <p:sldId id="555" r:id="rId9"/>
   </p:sldIdLst>
   <p:sldSz cx="12192000" cy="6858000"/>
   <p:notesSz cx="6858000" cy="9144000"/>
@@ -12669,7 +12670,7 @@
           </a:p>
           <a:p>
             <a:r>
-              <a:rPr lang="en-US" sz="900">
+              <a:rPr lang="en-US" sz="900" dirty="0">
                 <a:solidFill>
                   <a:srgbClr val="221F00"/>
                 </a:solidFill>
@@ -12678,13 +12679,6 @@
               </a:rPr>
               <a:t>- 10.11.13.13/24</a:t>
             </a:r>
-            <a:endParaRPr lang="en-US" sz="900" dirty="0">
-              <a:solidFill>
-                <a:srgbClr val="221F00"/>
-              </a:solidFill>
-              <a:latin typeface="Helvetica Neue"/>
-              <a:cs typeface="Helvetica Neue"/>
-            </a:endParaRPr>
           </a:p>
         </p:txBody>
       </p:sp>
@@ -12808,6 +12802,306 @@
 </file>
 
 <file path=ppt/slides/slide6.xml><?xml version="1.0" encoding="utf-8"?>
+<p:sld xmlns:a="http://schemas.openxmlformats.org/drawingml/2006/main" xmlns:r="http://schemas.openxmlformats.org/officeDocument/2006/relationships" xmlns:p="http://schemas.openxmlformats.org/presentationml/2006/main">
+  <p:cSld>
+    <p:spTree>
+      <p:nvGrpSpPr>
+        <p:cNvPr id="1" name=""/>
+        <p:cNvGrpSpPr/>
+        <p:nvPr/>
+      </p:nvGrpSpPr>
+      <p:grpSpPr>
+        <a:xfrm>
+          <a:off x="0" y="0"/>
+          <a:ext cx="0" cy="0"/>
+          <a:chOff x="0" y="0"/>
+          <a:chExt cx="0" cy="0"/>
+        </a:xfrm>
+      </p:grpSpPr>
+      <p:sp>
+        <p:nvSpPr>
+          <p:cNvPr id="2" name="Title 1">
+            <a:extLst>
+              <a:ext uri="{FF2B5EF4-FFF2-40B4-BE49-F238E27FC236}">
+                <a16:creationId xmlns:a16="http://schemas.microsoft.com/office/drawing/2014/main" id="{DB1FE191-4583-C34D-8AC1-BDB7B7B2A25E}"/>
+              </a:ext>
+            </a:extLst>
+          </p:cNvPr>
+          <p:cNvSpPr>
+            <a:spLocks noGrp="1"/>
+          </p:cNvSpPr>
+          <p:nvPr>
+            <p:ph type="title"/>
+          </p:nvPr>
+        </p:nvSpPr>
+        <p:spPr/>
+        <p:txBody>
+          <a:bodyPr/>
+          <a:lstStyle/>
+          <a:p>
+            <a:r>
+              <a:rPr lang="en-US" dirty="0">
+                <a:solidFill>
+                  <a:schemeClr val="accent3"/>
+                </a:solidFill>
+              </a:rPr>
+              <a:t>Scope of work</a:t>
+            </a:r>
+            <a:endParaRPr lang="en-US" dirty="0"/>
+          </a:p>
+        </p:txBody>
+      </p:sp>
+      <p:sp>
+        <p:nvSpPr>
+          <p:cNvPr id="3" name="Content Placeholder 2">
+            <a:extLst>
+              <a:ext uri="{FF2B5EF4-FFF2-40B4-BE49-F238E27FC236}">
+                <a16:creationId xmlns:a16="http://schemas.microsoft.com/office/drawing/2014/main" id="{40650635-1915-F141-A7E1-99A0D750846F}"/>
+              </a:ext>
+            </a:extLst>
+          </p:cNvPr>
+          <p:cNvSpPr>
+            <a:spLocks noGrp="1"/>
+          </p:cNvSpPr>
+          <p:nvPr>
+            <p:ph sz="half" idx="1"/>
+          </p:nvPr>
+        </p:nvSpPr>
+        <p:spPr>
+          <a:xfrm>
+            <a:off x="609600" y="1600203"/>
+            <a:ext cx="10972800" cy="4525963"/>
+          </a:xfrm>
+        </p:spPr>
+        <p:txBody>
+          <a:bodyPr/>
+          <a:lstStyle/>
+          <a:p>
+            <a:r>
+              <a:rPr lang="en-US" dirty="0"/>
+              <a:t>Start with a default configuration on our Arista switches</a:t>
+            </a:r>
+          </a:p>
+          <a:p>
+            <a:r>
+              <a:rPr lang="en-US" dirty="0"/>
+              <a:t>Validate that the Linux servers cannot reach their default gateway</a:t>
+            </a:r>
+          </a:p>
+          <a:p>
+            <a:r>
+              <a:rPr lang="en-US" dirty="0"/>
+              <a:t>One-Click build our entire underlay and overlay with Ansible</a:t>
+            </a:r>
+          </a:p>
+          <a:p>
+            <a:pPr lvl="1"/>
+            <a:r>
+              <a:rPr lang="en-US" dirty="0"/>
+              <a:t>Build each device’s configuration section-by-section, assemble, and push</a:t>
+            </a:r>
+          </a:p>
+          <a:p>
+            <a:r>
+              <a:rPr lang="en-US" dirty="0"/>
+              <a:t>Validate that the Linux servers can reach their default gateway</a:t>
+            </a:r>
+          </a:p>
+          <a:p>
+            <a:r>
+              <a:rPr lang="en-US" dirty="0"/>
+              <a:t>Showcase a working EVPN fabric where host 2 can ping host 4</a:t>
+            </a:r>
+          </a:p>
+          <a:p>
+            <a:pPr lvl="1"/>
+            <a:r>
+              <a:rPr lang="en-US" dirty="0"/>
+              <a:t>Layer 2 adjacency across a VXLAN tunnel</a:t>
+            </a:r>
+          </a:p>
+          <a:p>
+            <a:r>
+              <a:rPr lang="en-US" dirty="0"/>
+              <a:t>Add a new VLAN to the EVPN fabric with a targeted playbook</a:t>
+            </a:r>
+          </a:p>
+          <a:p>
+            <a:r>
+              <a:rPr lang="en-US" dirty="0"/>
+              <a:t>Validate that host 1 can now ping host 3</a:t>
+            </a:r>
+          </a:p>
+        </p:txBody>
+      </p:sp>
+    </p:spTree>
+    <p:extLst>
+      <p:ext uri="{BB962C8B-B14F-4D97-AF65-F5344CB8AC3E}">
+        <p14:creationId xmlns:p14="http://schemas.microsoft.com/office/powerpoint/2010/main" val="308523703"/>
+      </p:ext>
+    </p:extLst>
+  </p:cSld>
+  <p:clrMapOvr>
+    <a:masterClrMapping/>
+  </p:clrMapOvr>
+  <mc:AlternateContent xmlns:mc="http://schemas.openxmlformats.org/markup-compatibility/2006" xmlns:p14="http://schemas.microsoft.com/office/powerpoint/2010/main">
+    <mc:Choice Requires="p14">
+      <p:transition spd="slow" p14:dur="2000" advTm="3000"/>
+    </mc:Choice>
+    <mc:Fallback xmlns="">
+      <p:transition spd="slow" advTm="3000"/>
+    </mc:Fallback>
+  </mc:AlternateContent>
+</p:sld>
+</file>
+
+<file path=ppt/slides/slide7.xml><?xml version="1.0" encoding="utf-8"?>
+<p:sld xmlns:a="http://schemas.openxmlformats.org/drawingml/2006/main" xmlns:r="http://schemas.openxmlformats.org/officeDocument/2006/relationships" xmlns:p="http://schemas.openxmlformats.org/presentationml/2006/main">
+  <p:cSld>
+    <p:spTree>
+      <p:nvGrpSpPr>
+        <p:cNvPr id="1" name=""/>
+        <p:cNvGrpSpPr/>
+        <p:nvPr/>
+      </p:nvGrpSpPr>
+      <p:grpSpPr>
+        <a:xfrm>
+          <a:off x="0" y="0"/>
+          <a:ext cx="0" cy="0"/>
+          <a:chOff x="0" y="0"/>
+          <a:chExt cx="0" cy="0"/>
+        </a:xfrm>
+      </p:grpSpPr>
+      <p:sp>
+        <p:nvSpPr>
+          <p:cNvPr id="2" name="Title 1"/>
+          <p:cNvSpPr>
+            <a:spLocks noGrp="1"/>
+          </p:cNvSpPr>
+          <p:nvPr>
+            <p:ph type="title"/>
+          </p:nvPr>
+        </p:nvSpPr>
+        <p:spPr/>
+        <p:txBody>
+          <a:bodyPr>
+            <a:normAutofit/>
+          </a:bodyPr>
+          <a:lstStyle/>
+          <a:p>
+            <a:r>
+              <a:rPr lang="en-US" dirty="0"/>
+              <a:t>Use cases for Ansible Tower</a:t>
+            </a:r>
+          </a:p>
+        </p:txBody>
+      </p:sp>
+      <p:sp>
+        <p:nvSpPr>
+          <p:cNvPr id="3" name="Content Placeholder 2"/>
+          <p:cNvSpPr>
+            <a:spLocks noGrp="1"/>
+          </p:cNvSpPr>
+          <p:nvPr>
+            <p:ph idx="1"/>
+          </p:nvPr>
+        </p:nvSpPr>
+        <p:spPr/>
+        <p:txBody>
+          <a:bodyPr>
+            <a:normAutofit lnSpcReduction="10000"/>
+          </a:bodyPr>
+          <a:lstStyle/>
+          <a:p>
+            <a:r>
+              <a:rPr lang="en-US" dirty="0"/>
+              <a:t>Integrations with CVP, ServiceNow, Slack and </a:t>
+            </a:r>
+            <a:r>
+              <a:rPr lang="en-US" dirty="0" err="1"/>
+              <a:t>NetBox</a:t>
+            </a:r>
+            <a:endParaRPr lang="en-US" dirty="0"/>
+          </a:p>
+          <a:p>
+            <a:r>
+              <a:rPr lang="en-US" dirty="0"/>
+              <a:t>Validate network compliance of state </a:t>
+            </a:r>
+            <a:r>
+              <a:rPr lang="en-US"/>
+              <a:t>and configuration</a:t>
+            </a:r>
+            <a:endParaRPr lang="en-US" dirty="0"/>
+          </a:p>
+          <a:p>
+            <a:r>
+              <a:rPr lang="en-US" dirty="0"/>
+              <a:t>Obtain real-time facts from network devices or CVP</a:t>
+            </a:r>
+          </a:p>
+          <a:p>
+            <a:r>
+              <a:rPr lang="en-US" dirty="0"/>
+              <a:t>Configure multi-vendor environments</a:t>
+            </a:r>
+          </a:p>
+          <a:p>
+            <a:r>
+              <a:rPr lang="en-US" dirty="0"/>
+              <a:t>Copy / Install / Upgrade network OS across your network</a:t>
+            </a:r>
+          </a:p>
+          <a:p>
+            <a:r>
+              <a:rPr lang="en-US" dirty="0"/>
+              <a:t>Integrate dynamic inventory with CVP, </a:t>
+            </a:r>
+            <a:r>
+              <a:rPr lang="en-US" dirty="0" err="1"/>
+              <a:t>Netbox</a:t>
+            </a:r>
+            <a:r>
+              <a:rPr lang="en-US" dirty="0"/>
+              <a:t>, etc.</a:t>
+            </a:r>
+          </a:p>
+          <a:p>
+            <a:r>
+              <a:rPr lang="en-US" dirty="0"/>
+              <a:t>Add network devices to monitoring solutions</a:t>
+            </a:r>
+          </a:p>
+          <a:p>
+            <a:r>
+              <a:rPr lang="en-US" dirty="0"/>
+              <a:t>Real-time notification of configuration changes</a:t>
+            </a:r>
+          </a:p>
+        </p:txBody>
+      </p:sp>
+    </p:spTree>
+    <p:extLst>
+      <p:ext uri="{BB962C8B-B14F-4D97-AF65-F5344CB8AC3E}">
+        <p14:creationId xmlns:p14="http://schemas.microsoft.com/office/powerpoint/2010/main" val="2744475329"/>
+      </p:ext>
+    </p:extLst>
+  </p:cSld>
+  <p:clrMapOvr>
+    <a:masterClrMapping/>
+  </p:clrMapOvr>
+  <mc:AlternateContent xmlns:mc="http://schemas.openxmlformats.org/markup-compatibility/2006">
+    <mc:Choice xmlns:p14="http://schemas.microsoft.com/office/powerpoint/2010/main" Requires="p14">
+      <p:transition spd="slow" p14:dur="2000" advTm="3000"/>
+    </mc:Choice>
+    <mc:Fallback>
+      <p:transition spd="slow" advTm="3000"/>
+    </mc:Fallback>
+  </mc:AlternateContent>
+</p:sld>
+</file>
+
+<file path=ppt/slides/slide8.xml><?xml version="1.0" encoding="utf-8"?>
 <p:sld xmlns:a="http://schemas.openxmlformats.org/drawingml/2006/main" xmlns:r="http://schemas.openxmlformats.org/officeDocument/2006/relationships" xmlns:p="http://schemas.openxmlformats.org/presentationml/2006/main" show="0">
   <p:cSld>
     <p:spTree>
@@ -12971,158 +13265,6 @@
       <p:transition spd="slow" p14:dur="2000" advTm="3000"/>
     </mc:Choice>
     <mc:Fallback>
-      <p:transition spd="slow" advTm="3000"/>
-    </mc:Fallback>
-  </mc:AlternateContent>
-</p:sld>
-</file>
-
-<file path=ppt/slides/slide7.xml><?xml version="1.0" encoding="utf-8"?>
-<p:sld xmlns:a="http://schemas.openxmlformats.org/drawingml/2006/main" xmlns:r="http://schemas.openxmlformats.org/officeDocument/2006/relationships" xmlns:p="http://schemas.openxmlformats.org/presentationml/2006/main" show="0">
-  <p:cSld>
-    <p:spTree>
-      <p:nvGrpSpPr>
-        <p:cNvPr id="1" name=""/>
-        <p:cNvGrpSpPr/>
-        <p:nvPr/>
-      </p:nvGrpSpPr>
-      <p:grpSpPr>
-        <a:xfrm>
-          <a:off x="0" y="0"/>
-          <a:ext cx="0" cy="0"/>
-          <a:chOff x="0" y="0"/>
-          <a:chExt cx="0" cy="0"/>
-        </a:xfrm>
-      </p:grpSpPr>
-      <p:sp>
-        <p:nvSpPr>
-          <p:cNvPr id="2" name="Title 1"/>
-          <p:cNvSpPr>
-            <a:spLocks noGrp="1"/>
-          </p:cNvSpPr>
-          <p:nvPr>
-            <p:ph type="title"/>
-          </p:nvPr>
-        </p:nvSpPr>
-        <p:spPr/>
-        <p:txBody>
-          <a:bodyPr>
-            <a:normAutofit fontScale="90000"/>
-          </a:bodyPr>
-          <a:lstStyle/>
-          <a:p>
-            <a:r>
-              <a:rPr lang="en-US" dirty="0"/>
-              <a:t>Network Automation with Ansible Tower Demos</a:t>
-            </a:r>
-          </a:p>
-        </p:txBody>
-      </p:sp>
-      <p:sp>
-        <p:nvSpPr>
-          <p:cNvPr id="3" name="Content Placeholder 2"/>
-          <p:cNvSpPr>
-            <a:spLocks noGrp="1"/>
-          </p:cNvSpPr>
-          <p:nvPr>
-            <p:ph idx="1"/>
-          </p:nvPr>
-        </p:nvSpPr>
-        <p:spPr/>
-        <p:txBody>
-          <a:bodyPr>
-            <a:normAutofit fontScale="92500" lnSpcReduction="20000"/>
-          </a:bodyPr>
-          <a:lstStyle/>
-          <a:p>
-            <a:r>
-              <a:rPr lang="en-US" dirty="0"/>
-              <a:t>Integrations with ServiceNow, Slack and </a:t>
-            </a:r>
-            <a:r>
-              <a:rPr lang="en-US" dirty="0" err="1"/>
-              <a:t>NetBox</a:t>
-            </a:r>
-            <a:endParaRPr lang="en-US" dirty="0"/>
-          </a:p>
-          <a:p>
-            <a:r>
-              <a:rPr lang="en-US" dirty="0"/>
-              <a:t>Auto-Configure network from </a:t>
-            </a:r>
-            <a:r>
-              <a:rPr lang="en-US" dirty="0" err="1"/>
-              <a:t>NetBox</a:t>
-            </a:r>
-            <a:r>
-              <a:rPr lang="en-US" dirty="0"/>
-              <a:t> webhooks</a:t>
-            </a:r>
-          </a:p>
-          <a:p>
-            <a:r>
-              <a:rPr lang="en-US" dirty="0"/>
-              <a:t>Validate compliance from Slack</a:t>
-            </a:r>
-          </a:p>
-          <a:p>
-            <a:r>
-              <a:rPr lang="en-US" dirty="0"/>
-              <a:t>Obtain Facts from network devices via Slack</a:t>
-            </a:r>
-          </a:p>
-          <a:p>
-            <a:r>
-              <a:rPr lang="en-US" dirty="0"/>
-              <a:t>Configure FW policy from ServiceNow &amp; Slack</a:t>
-            </a:r>
-          </a:p>
-          <a:p>
-            <a:r>
-              <a:rPr lang="en-US" dirty="0"/>
-              <a:t>Upgrade network OS from Slack and ServiceNow</a:t>
-            </a:r>
-          </a:p>
-          <a:p>
-            <a:r>
-              <a:rPr lang="en-US" dirty="0"/>
-              <a:t>Integrate Ansible dynamic inventory with </a:t>
-            </a:r>
-            <a:r>
-              <a:rPr lang="en-US" dirty="0" err="1"/>
-              <a:t>NetBox</a:t>
-            </a:r>
-            <a:endParaRPr lang="en-US" dirty="0"/>
-          </a:p>
-          <a:p>
-            <a:r>
-              <a:rPr lang="en-US" dirty="0"/>
-              <a:t>Configure ports from ServiceNow or Slack</a:t>
-            </a:r>
-          </a:p>
-          <a:p>
-            <a:r>
-              <a:rPr lang="en-US" dirty="0"/>
-              <a:t>Real-time notification of configuration changes</a:t>
-            </a:r>
-          </a:p>
-        </p:txBody>
-      </p:sp>
-    </p:spTree>
-    <p:extLst>
-      <p:ext uri="{BB962C8B-B14F-4D97-AF65-F5344CB8AC3E}">
-        <p14:creationId xmlns:p14="http://schemas.microsoft.com/office/powerpoint/2010/main" val="2744475329"/>
-      </p:ext>
-    </p:extLst>
-  </p:cSld>
-  <p:clrMapOvr>
-    <a:masterClrMapping/>
-  </p:clrMapOvr>
-  <mc:AlternateContent xmlns:mc="http://schemas.openxmlformats.org/markup-compatibility/2006" xmlns:p14="http://schemas.microsoft.com/office/powerpoint/2010/main">
-    <mc:Choice Requires="p14">
-      <p:transition spd="slow" p14:dur="2000" advTm="3000"/>
-    </mc:Choice>
-    <mc:Fallback xmlns="">
       <p:transition spd="slow" advTm="3000"/>
     </mc:Fallback>
   </mc:AlternateContent>

--- a/documentation/Arista ATD.pptx
+++ b/documentation/Arista ATD.pptx
@@ -5,10 +5,10 @@
     <p:sldMasterId id="2147483648" r:id="rId1"/>
   </p:sldMasterIdLst>
   <p:notesMasterIdLst>
-    <p:notesMasterId r:id="rId10"/>
+    <p:notesMasterId r:id="rId11"/>
   </p:notesMasterIdLst>
   <p:handoutMasterIdLst>
-    <p:handoutMasterId r:id="rId11"/>
+    <p:handoutMasterId r:id="rId12"/>
   </p:handoutMasterIdLst>
   <p:sldIdLst>
     <p:sldId id="306" r:id="rId2"/>
@@ -18,7 +18,8 @@
     <p:sldId id="558" r:id="rId6"/>
     <p:sldId id="561" r:id="rId7"/>
     <p:sldId id="551" r:id="rId8"/>
-    <p:sldId id="555" r:id="rId9"/>
+    <p:sldId id="562" r:id="rId9"/>
+    <p:sldId id="555" r:id="rId10"/>
   </p:sldIdLst>
   <p:sldSz cx="12192000" cy="6858000"/>
   <p:notesSz cx="6858000" cy="9144000"/>
@@ -13026,13 +13027,8 @@
           <a:p>
             <a:r>
               <a:rPr lang="en-US" dirty="0"/>
-              <a:t>Validate network compliance of state </a:t>
-            </a:r>
-            <a:r>
-              <a:rPr lang="en-US"/>
-              <a:t>and configuration</a:t>
-            </a:r>
-            <a:endParaRPr lang="en-US" dirty="0"/>
+              <a:t>Validate network compliance of state and configuration</a:t>
+            </a:r>
           </a:p>
           <a:p>
             <a:r>
@@ -13102,6 +13098,89 @@
 </file>
 
 <file path=ppt/slides/slide8.xml><?xml version="1.0" encoding="utf-8"?>
+<p:sld xmlns:a="http://schemas.openxmlformats.org/drawingml/2006/main" xmlns:r="http://schemas.openxmlformats.org/officeDocument/2006/relationships" xmlns:p="http://schemas.openxmlformats.org/presentationml/2006/main">
+  <p:cSld>
+    <p:spTree>
+      <p:nvGrpSpPr>
+        <p:cNvPr id="1" name=""/>
+        <p:cNvGrpSpPr/>
+        <p:nvPr/>
+      </p:nvGrpSpPr>
+      <p:grpSpPr>
+        <a:xfrm>
+          <a:off x="0" y="0"/>
+          <a:ext cx="0" cy="0"/>
+          <a:chOff x="0" y="0"/>
+          <a:chExt cx="0" cy="0"/>
+        </a:xfrm>
+      </p:grpSpPr>
+      <p:sp>
+        <p:nvSpPr>
+          <p:cNvPr id="4" name="Title 3">
+            <a:extLst>
+              <a:ext uri="{FF2B5EF4-FFF2-40B4-BE49-F238E27FC236}">
+                <a16:creationId xmlns:a16="http://schemas.microsoft.com/office/drawing/2014/main" id="{4AE61BF0-92C8-8047-A3D5-0CA03197655E}"/>
+              </a:ext>
+            </a:extLst>
+          </p:cNvPr>
+          <p:cNvSpPr>
+            <a:spLocks noGrp="1"/>
+          </p:cNvSpPr>
+          <p:nvPr>
+            <p:ph type="ctrTitle"/>
+          </p:nvPr>
+        </p:nvSpPr>
+        <p:spPr/>
+        <p:txBody>
+          <a:bodyPr/>
+          <a:lstStyle/>
+          <a:p>
+            <a:r>
+              <a:rPr lang="en-US" dirty="0" err="1"/>
+              <a:t>github.com</a:t>
+            </a:r>
+            <a:r>
+              <a:rPr lang="en-US" dirty="0"/>
+              <a:t>/</a:t>
+            </a:r>
+            <a:r>
+              <a:rPr lang="en-US" dirty="0" err="1"/>
+              <a:t>networktocode</a:t>
+            </a:r>
+            <a:r>
+              <a:rPr lang="en-US" dirty="0"/>
+              <a:t>/arista-</a:t>
+            </a:r>
+            <a:r>
+              <a:rPr lang="en-US" dirty="0" err="1"/>
+              <a:t>atd</a:t>
+            </a:r>
+            <a:endParaRPr lang="en-US" dirty="0"/>
+          </a:p>
+        </p:txBody>
+      </p:sp>
+    </p:spTree>
+    <p:extLst>
+      <p:ext uri="{BB962C8B-B14F-4D97-AF65-F5344CB8AC3E}">
+        <p14:creationId xmlns:p14="http://schemas.microsoft.com/office/powerpoint/2010/main" val="1964236190"/>
+      </p:ext>
+    </p:extLst>
+  </p:cSld>
+  <p:clrMapOvr>
+    <a:masterClrMapping/>
+  </p:clrMapOvr>
+  <mc:AlternateContent xmlns:mc="http://schemas.openxmlformats.org/markup-compatibility/2006" xmlns:p14="http://schemas.microsoft.com/office/powerpoint/2010/main">
+    <mc:Choice Requires="p14">
+      <p:transition spd="slow" p14:dur="2000" advTm="3000"/>
+    </mc:Choice>
+    <mc:Fallback xmlns="">
+      <p:transition spd="slow" advTm="3000"/>
+    </mc:Fallback>
+  </mc:AlternateContent>
+</p:sld>
+</file>
+
+<file path=ppt/slides/slide9.xml><?xml version="1.0" encoding="utf-8"?>
 <p:sld xmlns:a="http://schemas.openxmlformats.org/drawingml/2006/main" xmlns:r="http://schemas.openxmlformats.org/officeDocument/2006/relationships" xmlns:p="http://schemas.openxmlformats.org/presentationml/2006/main" show="0">
   <p:cSld>
     <p:spTree>

--- a/documentation/Arista ATD.pptx
+++ b/documentation/Arista ATD.pptx
@@ -3675,7 +3675,7 @@
           <a:p>
             <a:fld id="{566F7C18-64F0-4F8B-A614-678A9B42EDF3}" type="datetimeFigureOut">
               <a:rPr lang="en-US" smtClean="0"/>
-              <a:t>12/5/18</a:t>
+              <a:t>12/6/18</a:t>
             </a:fld>
             <a:endParaRPr lang="en-US"/>
           </a:p>
@@ -3840,7 +3840,7 @@
           <a:p>
             <a:fld id="{1D212D27-25C2-456C-B003-433D0C243240}" type="datetimeFigureOut">
               <a:rPr lang="en-US" smtClean="0"/>
-              <a:t>12/5/18</a:t>
+              <a:t>12/6/18</a:t>
             </a:fld>
             <a:endParaRPr lang="en-US"/>
           </a:p>
@@ -9122,11 +9122,11 @@
   <p:clrMapOvr>
     <a:masterClrMapping/>
   </p:clrMapOvr>
-  <mc:AlternateContent xmlns:mc="http://schemas.openxmlformats.org/markup-compatibility/2006">
-    <mc:Choice xmlns:p14="http://schemas.microsoft.com/office/powerpoint/2010/main" Requires="p14">
+  <mc:AlternateContent xmlns:mc="http://schemas.openxmlformats.org/markup-compatibility/2006" xmlns:p14="http://schemas.microsoft.com/office/powerpoint/2010/main">
+    <mc:Choice Requires="p14">
       <p:transition spd="slow" p14:dur="2000" advTm="3000"/>
     </mc:Choice>
-    <mc:Fallback>
+    <mc:Fallback xmlns="">
       <p:transition spd="slow" advTm="3000"/>
     </mc:Fallback>
   </mc:AlternateContent>
@@ -9270,11 +9270,11 @@
   <p:clrMapOvr>
     <a:masterClrMapping/>
   </p:clrMapOvr>
-  <mc:AlternateContent xmlns:mc="http://schemas.openxmlformats.org/markup-compatibility/2006">
-    <mc:Choice xmlns:p14="http://schemas.microsoft.com/office/powerpoint/2010/main" Requires="p14">
+  <mc:AlternateContent xmlns:mc="http://schemas.openxmlformats.org/markup-compatibility/2006" xmlns:p14="http://schemas.microsoft.com/office/powerpoint/2010/main">
+    <mc:Choice Requires="p14">
       <p:transition spd="slow" p14:dur="2000" advTm="3000"/>
     </mc:Choice>
-    <mc:Fallback>
+    <mc:Fallback xmlns="">
       <p:transition spd="slow" advTm="3000"/>
     </mc:Fallback>
   </mc:AlternateContent>
@@ -10915,7 +10915,7 @@
                 <a:latin typeface="Helvetica Neue"/>
                 <a:cs typeface="Helvetica Neue"/>
               </a:rPr>
-              <a:t>172.16.1.0/30</a:t>
+              <a:t>100.1.11.0/30</a:t>
             </a:r>
           </a:p>
         </p:txBody>
@@ -11122,7 +11122,7 @@
         <p:spPr>
           <a:xfrm rot="19613323">
             <a:off x="7518829" y="3125422"/>
-            <a:ext cx="896400" cy="369332"/>
+            <a:ext cx="896399" cy="369332"/>
           </a:xfrm>
           <a:prstGeom prst="rect">
             <a:avLst/>
@@ -11162,7 +11162,7 @@
                 <a:latin typeface="Helvetica Neue"/>
                 <a:cs typeface="Helvetica Neue"/>
               </a:rPr>
-              <a:t>172.16.2.0/30</a:t>
+              <a:t>100.2.11.0/30</a:t>
             </a:r>
           </a:p>
         </p:txBody>
@@ -13086,11 +13086,11 @@
   <p:clrMapOvr>
     <a:masterClrMapping/>
   </p:clrMapOvr>
-  <mc:AlternateContent xmlns:mc="http://schemas.openxmlformats.org/markup-compatibility/2006">
-    <mc:Choice xmlns:p14="http://schemas.microsoft.com/office/powerpoint/2010/main" Requires="p14">
+  <mc:AlternateContent xmlns:mc="http://schemas.openxmlformats.org/markup-compatibility/2006" xmlns:p14="http://schemas.microsoft.com/office/powerpoint/2010/main">
+    <mc:Choice Requires="p14">
       <p:transition spd="slow" p14:dur="2000" advTm="3000"/>
     </mc:Choice>
-    <mc:Fallback>
+    <mc:Fallback xmlns="">
       <p:transition spd="slow" advTm="3000"/>
     </mc:Fallback>
   </mc:AlternateContent>
@@ -13339,11 +13339,11 @@
   <p:clrMapOvr>
     <a:masterClrMapping/>
   </p:clrMapOvr>
-  <mc:AlternateContent xmlns:mc="http://schemas.openxmlformats.org/markup-compatibility/2006">
-    <mc:Choice xmlns:p14="http://schemas.microsoft.com/office/powerpoint/2010/main" Requires="p14">
+  <mc:AlternateContent xmlns:mc="http://schemas.openxmlformats.org/markup-compatibility/2006" xmlns:p14="http://schemas.microsoft.com/office/powerpoint/2010/main">
+    <mc:Choice Requires="p14">
       <p:transition spd="slow" p14:dur="2000" advTm="3000"/>
     </mc:Choice>
-    <mc:Fallback>
+    <mc:Fallback xmlns="">
       <p:transition spd="slow" advTm="3000"/>
     </mc:Fallback>
   </mc:AlternateContent>
